--- a/Presentation-FSCI6210.pptx
+++ b/Presentation-FSCI6210.pptx
@@ -289,7 +289,7 @@
       </p15:sldGuideLst>
     </p:ext>
     <p:ext uri="GoogleSlidesCustomDataVersion2">
-      <go:slidesCustomData xmlns="" xmlns:mc="http://schemas.openxmlformats.org/markup-compatibility/2006" xmlns:mv="urn:schemas-microsoft-com:mac:vml" xmlns:c="http://schemas.openxmlformats.org/drawingml/2006/chart" xmlns:dgm="http://schemas.openxmlformats.org/drawingml/2006/diagram" xmlns:o="urn:schemas-microsoft-com:office:office" xmlns:v="urn:schemas-microsoft-com:vml" xmlns:pvml="urn:schemas-microsoft-com:office:powerpoint" xmlns:com="http://schemas.openxmlformats.org/drawingml/2006/compatibility" xmlns:p14="http://schemas.microsoft.com/office/powerpoint/2010/main" xmlns:p15="http://schemas.microsoft.com/office/powerpoint/2012/main" xmlns:ahyp="http://schemas.microsoft.com/office/drawing/2018/hyperlinkcolor" xmlns:go="http://customooxmlschemas.google.com/" r:id="rId30" roundtripDataSignature="AMtx7mhz8hS8UexkEGMw1SwkAaKdz+reIQ=="/>
+      <go:slidesCustomData xmlns:go="http://customooxmlschemas.google.com/" xmlns:ahyp="http://schemas.microsoft.com/office/drawing/2018/hyperlinkcolor" xmlns:p15="http://schemas.microsoft.com/office/powerpoint/2012/main" xmlns:p14="http://schemas.microsoft.com/office/powerpoint/2010/main" xmlns:com="http://schemas.openxmlformats.org/drawingml/2006/compatibility" xmlns:pvml="urn:schemas-microsoft-com:office:powerpoint" xmlns:v="urn:schemas-microsoft-com:vml" xmlns:o="urn:schemas-microsoft-com:office:office" xmlns:dgm="http://schemas.openxmlformats.org/drawingml/2006/diagram" xmlns:c="http://schemas.openxmlformats.org/drawingml/2006/chart" xmlns:mv="urn:schemas-microsoft-com:mac:vml" xmlns:mc="http://schemas.openxmlformats.org/markup-compatibility/2006" xmlns="" r:id="rId30" roundtripDataSignature="AMtx7mhz8hS8UexkEGMw1SwkAaKdz+reIQ=="/>
     </p:ext>
   </p:extLst>
 </p:presentation>
@@ -298,854 +298,10 @@
 <file path=ppt/revisionInfo.xml><?xml version="1.0" encoding="utf-8"?>
 <p1510:revInfo xmlns:a="http://schemas.openxmlformats.org/drawingml/2006/main" xmlns:r="http://schemas.openxmlformats.org/officeDocument/2006/relationships" xmlns:p1510="http://schemas.microsoft.com/office/powerpoint/2015/10/main">
   <p1510:revLst>
-    <p1510:client id="{352885DD-B2E6-EDA0-24ED-D7704D83C613}" v="206" dt="2025-04-14T23:24:41.801"/>
-    <p1510:client id="{37A04ED0-6CDE-9E5E-69BA-5D991B56BD19}" v="7" dt="2025-04-16T20:18:07.683"/>
-    <p1510:client id="{77712B9A-09EA-C093-FF92-A48EE52BA227}" v="146" dt="2025-04-15T00:08:54.627"/>
-    <p1510:client id="{8BAD1835-9BC7-0DB4-E511-33C91484064A}" v="21" dt="2025-04-16T20:06:51.591"/>
-    <p1510:client id="{C80C2890-F595-DB7D-010C-8DE3ABA7C13A}" v="1756" dt="2025-04-15T21:18:59.336"/>
-    <p1510:client id="{C9C181DC-D065-D4E8-B206-10BDD95DF387}" v="1" dt="2025-04-16T15:08:28.258"/>
+    <p1510:client id="{A00C22F8-F3A6-F67C-4D2D-39CE76EEF2AB}" v="4" dt="2025-04-21T17:32:48.513"/>
+    <p1510:client id="{DFC760B3-FB7D-F329-B739-F9D8B4BE78AA}" v="2" dt="2025-04-21T18:50:33.575"/>
   </p1510:revLst>
 </p1510:revInfo>
-</file>
-
-<file path=ppt/changesInfos/changesInfo1.xml><?xml version="1.0" encoding="utf-8"?>
-<pc:chgInfo xmlns:a="http://schemas.openxmlformats.org/drawingml/2006/main" xmlns:r="http://schemas.openxmlformats.org/officeDocument/2006/relationships" xmlns:ac="http://schemas.microsoft.com/office/drawing/2013/main/command" xmlns:pc="http://schemas.microsoft.com/office/powerpoint/2013/main/command">
-  <pc:docChgLst>
-    <pc:chgData name="Lucia Richardson" userId="S::edr1051@umoncton.ca::a8800bd4-8679-4489-9e15-b3cc47dc3045" providerId="AD" clId="Web-{352885DD-B2E6-EDA0-24ED-D7704D83C613}"/>
-    <pc:docChg chg="modSld">
-      <pc:chgData name="Lucia Richardson" userId="S::edr1051@umoncton.ca::a8800bd4-8679-4489-9e15-b3cc47dc3045" providerId="AD" clId="Web-{352885DD-B2E6-EDA0-24ED-D7704D83C613}" dt="2025-04-14T23:24:41.801" v="122" actId="20577"/>
-      <pc:docMkLst>
-        <pc:docMk/>
-      </pc:docMkLst>
-      <pc:sldChg chg="modSp">
-        <pc:chgData name="Lucia Richardson" userId="S::edr1051@umoncton.ca::a8800bd4-8679-4489-9e15-b3cc47dc3045" providerId="AD" clId="Web-{352885DD-B2E6-EDA0-24ED-D7704D83C613}" dt="2025-04-14T21:59:40.451" v="1" actId="20577"/>
-        <pc:sldMkLst>
-          <pc:docMk/>
-          <pc:sldMk cId="0" sldId="257"/>
-        </pc:sldMkLst>
-        <pc:spChg chg="mod">
-          <ac:chgData name="Lucia Richardson" userId="S::edr1051@umoncton.ca::a8800bd4-8679-4489-9e15-b3cc47dc3045" providerId="AD" clId="Web-{352885DD-B2E6-EDA0-24ED-D7704D83C613}" dt="2025-04-14T21:59:40.451" v="1" actId="20577"/>
-          <ac:spMkLst>
-            <pc:docMk/>
-            <pc:sldMk cId="0" sldId="257"/>
-            <ac:spMk id="143" creationId="{00000000-0000-0000-0000-000000000000}"/>
-          </ac:spMkLst>
-        </pc:spChg>
-      </pc:sldChg>
-      <pc:sldChg chg="addSp delSp modSp mod modClrScheme chgLayout">
-        <pc:chgData name="Lucia Richardson" userId="S::edr1051@umoncton.ca::a8800bd4-8679-4489-9e15-b3cc47dc3045" providerId="AD" clId="Web-{352885DD-B2E6-EDA0-24ED-D7704D83C613}" dt="2025-04-14T22:38:31.807" v="74"/>
-        <pc:sldMkLst>
-          <pc:docMk/>
-          <pc:sldMk cId="0" sldId="259"/>
-        </pc:sldMkLst>
-        <pc:spChg chg="add del mod ord">
-          <ac:chgData name="Lucia Richardson" userId="S::edr1051@umoncton.ca::a8800bd4-8679-4489-9e15-b3cc47dc3045" providerId="AD" clId="Web-{352885DD-B2E6-EDA0-24ED-D7704D83C613}" dt="2025-04-14T22:38:31.807" v="74"/>
-          <ac:spMkLst>
-            <pc:docMk/>
-            <pc:sldMk cId="0" sldId="259"/>
-            <ac:spMk id="2" creationId="{726E1CF4-4F44-FB01-5060-6639FD44BB12}"/>
-          </ac:spMkLst>
-        </pc:spChg>
-        <pc:spChg chg="mod">
-          <ac:chgData name="Lucia Richardson" userId="S::edr1051@umoncton.ca::a8800bd4-8679-4489-9e15-b3cc47dc3045" providerId="AD" clId="Web-{352885DD-B2E6-EDA0-24ED-D7704D83C613}" dt="2025-04-14T22:00:52.202" v="7" actId="20577"/>
-          <ac:spMkLst>
-            <pc:docMk/>
-            <pc:sldMk cId="0" sldId="259"/>
-            <ac:spMk id="155" creationId="{00000000-0000-0000-0000-000000000000}"/>
-          </ac:spMkLst>
-        </pc:spChg>
-      </pc:sldChg>
-      <pc:sldChg chg="modSp">
-        <pc:chgData name="Lucia Richardson" userId="S::edr1051@umoncton.ca::a8800bd4-8679-4489-9e15-b3cc47dc3045" providerId="AD" clId="Web-{352885DD-B2E6-EDA0-24ED-D7704D83C613}" dt="2025-04-14T22:04:23.867" v="16" actId="20577"/>
-        <pc:sldMkLst>
-          <pc:docMk/>
-          <pc:sldMk cId="0" sldId="260"/>
-        </pc:sldMkLst>
-        <pc:spChg chg="mod">
-          <ac:chgData name="Lucia Richardson" userId="S::edr1051@umoncton.ca::a8800bd4-8679-4489-9e15-b3cc47dc3045" providerId="AD" clId="Web-{352885DD-B2E6-EDA0-24ED-D7704D83C613}" dt="2025-04-14T22:04:23.867" v="16" actId="20577"/>
-          <ac:spMkLst>
-            <pc:docMk/>
-            <pc:sldMk cId="0" sldId="260"/>
-            <ac:spMk id="161" creationId="{00000000-0000-0000-0000-000000000000}"/>
-          </ac:spMkLst>
-        </pc:spChg>
-      </pc:sldChg>
-      <pc:sldChg chg="addSp delSp modSp mod modClrScheme chgLayout">
-        <pc:chgData name="Lucia Richardson" userId="S::edr1051@umoncton.ca::a8800bd4-8679-4489-9e15-b3cc47dc3045" providerId="AD" clId="Web-{352885DD-B2E6-EDA0-24ED-D7704D83C613}" dt="2025-04-14T22:40:09.839" v="82" actId="1076"/>
-        <pc:sldMkLst>
-          <pc:docMk/>
-          <pc:sldMk cId="0" sldId="262"/>
-        </pc:sldMkLst>
-        <pc:spChg chg="add del mod ord">
-          <ac:chgData name="Lucia Richardson" userId="S::edr1051@umoncton.ca::a8800bd4-8679-4489-9e15-b3cc47dc3045" providerId="AD" clId="Web-{352885DD-B2E6-EDA0-24ED-D7704D83C613}" dt="2025-04-14T22:39:25.792" v="78"/>
-          <ac:spMkLst>
-            <pc:docMk/>
-            <pc:sldMk cId="0" sldId="262"/>
-            <ac:spMk id="2" creationId="{A351F12C-EC1D-8860-E31E-63F76C3B2070}"/>
-          </ac:spMkLst>
-        </pc:spChg>
-        <pc:spChg chg="mod">
-          <ac:chgData name="Lucia Richardson" userId="S::edr1051@umoncton.ca::a8800bd4-8679-4489-9e15-b3cc47dc3045" providerId="AD" clId="Web-{352885DD-B2E6-EDA0-24ED-D7704D83C613}" dt="2025-04-14T22:40:09.839" v="82" actId="1076"/>
-          <ac:spMkLst>
-            <pc:docMk/>
-            <pc:sldMk cId="0" sldId="262"/>
-            <ac:spMk id="173" creationId="{00000000-0000-0000-0000-000000000000}"/>
-          </ac:spMkLst>
-        </pc:spChg>
-      </pc:sldChg>
-      <pc:sldChg chg="modSp">
-        <pc:chgData name="Lucia Richardson" userId="S::edr1051@umoncton.ca::a8800bd4-8679-4489-9e15-b3cc47dc3045" providerId="AD" clId="Web-{352885DD-B2E6-EDA0-24ED-D7704D83C613}" dt="2025-04-14T22:36:23.853" v="71" actId="20577"/>
-        <pc:sldMkLst>
-          <pc:docMk/>
-          <pc:sldMk cId="0" sldId="264"/>
-        </pc:sldMkLst>
-        <pc:spChg chg="mod">
-          <ac:chgData name="Lucia Richardson" userId="S::edr1051@umoncton.ca::a8800bd4-8679-4489-9e15-b3cc47dc3045" providerId="AD" clId="Web-{352885DD-B2E6-EDA0-24ED-D7704D83C613}" dt="2025-04-14T22:31:46.460" v="60" actId="20577"/>
-          <ac:spMkLst>
-            <pc:docMk/>
-            <pc:sldMk cId="0" sldId="264"/>
-            <ac:spMk id="184" creationId="{00000000-0000-0000-0000-000000000000}"/>
-          </ac:spMkLst>
-        </pc:spChg>
-        <pc:spChg chg="mod">
-          <ac:chgData name="Lucia Richardson" userId="S::edr1051@umoncton.ca::a8800bd4-8679-4489-9e15-b3cc47dc3045" providerId="AD" clId="Web-{352885DD-B2E6-EDA0-24ED-D7704D83C613}" dt="2025-04-14T22:36:23.853" v="71" actId="20577"/>
-          <ac:spMkLst>
-            <pc:docMk/>
-            <pc:sldMk cId="0" sldId="264"/>
-            <ac:spMk id="185" creationId="{00000000-0000-0000-0000-000000000000}"/>
-          </ac:spMkLst>
-        </pc:spChg>
-      </pc:sldChg>
-      <pc:sldChg chg="addSp delSp modSp mod setBg modClrScheme chgLayout">
-        <pc:chgData name="Lucia Richardson" userId="S::edr1051@umoncton.ca::a8800bd4-8679-4489-9e15-b3cc47dc3045" providerId="AD" clId="Web-{352885DD-B2E6-EDA0-24ED-D7704D83C613}" dt="2025-04-14T22:43:08.091" v="93" actId="1076"/>
-        <pc:sldMkLst>
-          <pc:docMk/>
-          <pc:sldMk cId="0" sldId="266"/>
-        </pc:sldMkLst>
-        <pc:spChg chg="add del mod ord">
-          <ac:chgData name="Lucia Richardson" userId="S::edr1051@umoncton.ca::a8800bd4-8679-4489-9e15-b3cc47dc3045" providerId="AD" clId="Web-{352885DD-B2E6-EDA0-24ED-D7704D83C613}" dt="2025-04-14T22:42:10.668" v="88"/>
-          <ac:spMkLst>
-            <pc:docMk/>
-            <pc:sldMk cId="0" sldId="266"/>
-            <ac:spMk id="2" creationId="{970BBDF4-F8F4-AA3D-50DC-7345F5A7053B}"/>
-          </ac:spMkLst>
-        </pc:spChg>
-        <pc:spChg chg="mod">
-          <ac:chgData name="Lucia Richardson" userId="S::edr1051@umoncton.ca::a8800bd4-8679-4489-9e15-b3cc47dc3045" providerId="AD" clId="Web-{352885DD-B2E6-EDA0-24ED-D7704D83C613}" dt="2025-04-14T22:41:26.262" v="84"/>
-          <ac:spMkLst>
-            <pc:docMk/>
-            <pc:sldMk cId="0" sldId="266"/>
-            <ac:spMk id="196" creationId="{00000000-0000-0000-0000-000000000000}"/>
-          </ac:spMkLst>
-        </pc:spChg>
-        <pc:spChg chg="mod">
-          <ac:chgData name="Lucia Richardson" userId="S::edr1051@umoncton.ca::a8800bd4-8679-4489-9e15-b3cc47dc3045" providerId="AD" clId="Web-{352885DD-B2E6-EDA0-24ED-D7704D83C613}" dt="2025-04-14T22:43:08.091" v="93" actId="1076"/>
-          <ac:spMkLst>
-            <pc:docMk/>
-            <pc:sldMk cId="0" sldId="266"/>
-            <ac:spMk id="197" creationId="{00000000-0000-0000-0000-000000000000}"/>
-          </ac:spMkLst>
-        </pc:spChg>
-      </pc:sldChg>
-      <pc:sldChg chg="addSp delSp modSp mod modClrScheme chgLayout">
-        <pc:chgData name="Lucia Richardson" userId="S::edr1051@umoncton.ca::a8800bd4-8679-4489-9e15-b3cc47dc3045" providerId="AD" clId="Web-{352885DD-B2E6-EDA0-24ED-D7704D83C613}" dt="2025-04-14T22:44:54.326" v="104" actId="14100"/>
-        <pc:sldMkLst>
-          <pc:docMk/>
-          <pc:sldMk cId="0" sldId="267"/>
-        </pc:sldMkLst>
-        <pc:spChg chg="add del mod ord">
-          <ac:chgData name="Lucia Richardson" userId="S::edr1051@umoncton.ca::a8800bd4-8679-4489-9e15-b3cc47dc3045" providerId="AD" clId="Web-{352885DD-B2E6-EDA0-24ED-D7704D83C613}" dt="2025-04-14T22:44:09.247" v="100"/>
-          <ac:spMkLst>
-            <pc:docMk/>
-            <pc:sldMk cId="0" sldId="267"/>
-            <ac:spMk id="2" creationId="{54500167-7F3F-7938-24EB-F652233A622F}"/>
-          </ac:spMkLst>
-        </pc:spChg>
-        <pc:spChg chg="mod">
-          <ac:chgData name="Lucia Richardson" userId="S::edr1051@umoncton.ca::a8800bd4-8679-4489-9e15-b3cc47dc3045" providerId="AD" clId="Web-{352885DD-B2E6-EDA0-24ED-D7704D83C613}" dt="2025-04-14T22:44:54.326" v="104" actId="14100"/>
-          <ac:spMkLst>
-            <pc:docMk/>
-            <pc:sldMk cId="0" sldId="267"/>
-            <ac:spMk id="203" creationId="{00000000-0000-0000-0000-000000000000}"/>
-          </ac:spMkLst>
-        </pc:spChg>
-      </pc:sldChg>
-      <pc:sldChg chg="modSp">
-        <pc:chgData name="Lucia Richardson" userId="S::edr1051@umoncton.ca::a8800bd4-8679-4489-9e15-b3cc47dc3045" providerId="AD" clId="Web-{352885DD-B2E6-EDA0-24ED-D7704D83C613}" dt="2025-04-14T23:24:41.801" v="122" actId="20577"/>
-        <pc:sldMkLst>
-          <pc:docMk/>
-          <pc:sldMk cId="0" sldId="268"/>
-        </pc:sldMkLst>
-        <pc:spChg chg="mod">
-          <ac:chgData name="Lucia Richardson" userId="S::edr1051@umoncton.ca::a8800bd4-8679-4489-9e15-b3cc47dc3045" providerId="AD" clId="Web-{352885DD-B2E6-EDA0-24ED-D7704D83C613}" dt="2025-04-14T23:24:41.801" v="122" actId="20577"/>
-          <ac:spMkLst>
-            <pc:docMk/>
-            <pc:sldMk cId="0" sldId="268"/>
-            <ac:spMk id="209" creationId="{00000000-0000-0000-0000-000000000000}"/>
-          </ac:spMkLst>
-        </pc:spChg>
-      </pc:sldChg>
-    </pc:docChg>
-  </pc:docChgLst>
-  <pc:docChgLst>
-    <pc:chgData name="Lucia Richardson" userId="S::edr1051@umoncton.ca::a8800bd4-8679-4489-9e15-b3cc47dc3045" providerId="AD" clId="Web-{77712B9A-09EA-C093-FF92-A48EE52BA227}"/>
-    <pc:docChg chg="modSld">
-      <pc:chgData name="Lucia Richardson" userId="S::edr1051@umoncton.ca::a8800bd4-8679-4489-9e15-b3cc47dc3045" providerId="AD" clId="Web-{77712B9A-09EA-C093-FF92-A48EE52BA227}" dt="2025-04-15T00:08:54.627" v="90" actId="20577"/>
-      <pc:docMkLst>
-        <pc:docMk/>
-      </pc:docMkLst>
-      <pc:sldChg chg="modSp">
-        <pc:chgData name="Lucia Richardson" userId="S::edr1051@umoncton.ca::a8800bd4-8679-4489-9e15-b3cc47dc3045" providerId="AD" clId="Web-{77712B9A-09EA-C093-FF92-A48EE52BA227}" dt="2025-04-14T23:49:34.153" v="47" actId="20577"/>
-        <pc:sldMkLst>
-          <pc:docMk/>
-          <pc:sldMk cId="0" sldId="261"/>
-        </pc:sldMkLst>
-        <pc:spChg chg="mod">
-          <ac:chgData name="Lucia Richardson" userId="S::edr1051@umoncton.ca::a8800bd4-8679-4489-9e15-b3cc47dc3045" providerId="AD" clId="Web-{77712B9A-09EA-C093-FF92-A48EE52BA227}" dt="2025-04-14T23:49:34.153" v="47" actId="20577"/>
-          <ac:spMkLst>
-            <pc:docMk/>
-            <pc:sldMk cId="0" sldId="261"/>
-            <ac:spMk id="167" creationId="{00000000-0000-0000-0000-000000000000}"/>
-          </ac:spMkLst>
-        </pc:spChg>
-      </pc:sldChg>
-      <pc:sldChg chg="modSp">
-        <pc:chgData name="Lucia Richardson" userId="S::edr1051@umoncton.ca::a8800bd4-8679-4489-9e15-b3cc47dc3045" providerId="AD" clId="Web-{77712B9A-09EA-C093-FF92-A48EE52BA227}" dt="2025-04-15T00:08:54.627" v="90" actId="20577"/>
-        <pc:sldMkLst>
-          <pc:docMk/>
-          <pc:sldMk cId="0" sldId="264"/>
-        </pc:sldMkLst>
-        <pc:spChg chg="mod">
-          <ac:chgData name="Lucia Richardson" userId="S::edr1051@umoncton.ca::a8800bd4-8679-4489-9e15-b3cc47dc3045" providerId="AD" clId="Web-{77712B9A-09EA-C093-FF92-A48EE52BA227}" dt="2025-04-15T00:08:54.627" v="90" actId="20577"/>
-          <ac:spMkLst>
-            <pc:docMk/>
-            <pc:sldMk cId="0" sldId="264"/>
-            <ac:spMk id="185" creationId="{00000000-0000-0000-0000-000000000000}"/>
-          </ac:spMkLst>
-        </pc:spChg>
-      </pc:sldChg>
-      <pc:sldChg chg="modSp">
-        <pc:chgData name="Lucia Richardson" userId="S::edr1051@umoncton.ca::a8800bd4-8679-4489-9e15-b3cc47dc3045" providerId="AD" clId="Web-{77712B9A-09EA-C093-FF92-A48EE52BA227}" dt="2025-04-14T23:45:08.585" v="41" actId="20577"/>
-        <pc:sldMkLst>
-          <pc:docMk/>
-          <pc:sldMk cId="0" sldId="268"/>
-        </pc:sldMkLst>
-        <pc:spChg chg="mod">
-          <ac:chgData name="Lucia Richardson" userId="S::edr1051@umoncton.ca::a8800bd4-8679-4489-9e15-b3cc47dc3045" providerId="AD" clId="Web-{77712B9A-09EA-C093-FF92-A48EE52BA227}" dt="2025-04-14T23:45:08.585" v="41" actId="20577"/>
-          <ac:spMkLst>
-            <pc:docMk/>
-            <pc:sldMk cId="0" sldId="268"/>
-            <ac:spMk id="209" creationId="{00000000-0000-0000-0000-000000000000}"/>
-          </ac:spMkLst>
-        </pc:spChg>
-      </pc:sldChg>
-    </pc:docChg>
-  </pc:docChgLst>
-  <pc:docChgLst>
-    <pc:chgData name="Lucia Richardson" userId="S::edr1051@umoncton.ca::a8800bd4-8679-4489-9e15-b3cc47dc3045" providerId="AD" clId="Web-{8BAD1835-9BC7-0DB4-E511-33C91484064A}"/>
-    <pc:docChg chg="modSld">
-      <pc:chgData name="Lucia Richardson" userId="S::edr1051@umoncton.ca::a8800bd4-8679-4489-9e15-b3cc47dc3045" providerId="AD" clId="Web-{8BAD1835-9BC7-0DB4-E511-33C91484064A}" dt="2025-04-16T20:06:51.591" v="16" actId="20577"/>
-      <pc:docMkLst>
-        <pc:docMk/>
-      </pc:docMkLst>
-      <pc:sldChg chg="modSp">
-        <pc:chgData name="Lucia Richardson" userId="S::edr1051@umoncton.ca::a8800bd4-8679-4489-9e15-b3cc47dc3045" providerId="AD" clId="Web-{8BAD1835-9BC7-0DB4-E511-33C91484064A}" dt="2025-04-16T20:06:51.591" v="16" actId="20577"/>
-        <pc:sldMkLst>
-          <pc:docMk/>
-          <pc:sldMk cId="0" sldId="256"/>
-        </pc:sldMkLst>
-        <pc:spChg chg="mod">
-          <ac:chgData name="Lucia Richardson" userId="S::edr1051@umoncton.ca::a8800bd4-8679-4489-9e15-b3cc47dc3045" providerId="AD" clId="Web-{8BAD1835-9BC7-0DB4-E511-33C91484064A}" dt="2025-04-16T20:06:51.591" v="16" actId="20577"/>
-          <ac:spMkLst>
-            <pc:docMk/>
-            <pc:sldMk cId="0" sldId="256"/>
-            <ac:spMk id="136" creationId="{00000000-0000-0000-0000-000000000000}"/>
-          </ac:spMkLst>
-        </pc:spChg>
-        <pc:spChg chg="mod">
-          <ac:chgData name="Lucia Richardson" userId="S::edr1051@umoncton.ca::a8800bd4-8679-4489-9e15-b3cc47dc3045" providerId="AD" clId="Web-{8BAD1835-9BC7-0DB4-E511-33C91484064A}" dt="2025-04-16T20:04:36.714" v="9" actId="20577"/>
-          <ac:spMkLst>
-            <pc:docMk/>
-            <pc:sldMk cId="0" sldId="256"/>
-            <ac:spMk id="137" creationId="{00000000-0000-0000-0000-000000000000}"/>
-          </ac:spMkLst>
-        </pc:spChg>
-      </pc:sldChg>
-    </pc:docChg>
-  </pc:docChgLst>
-  <pc:docChgLst>
-    <pc:chgData name="Lucia Richardson" userId="S::edr1051@umoncton.ca::a8800bd4-8679-4489-9e15-b3cc47dc3045" providerId="AD" clId="Web-{C9C181DC-D065-D4E8-B206-10BDD95DF387}"/>
-    <pc:docChg chg="delSld">
-      <pc:chgData name="Lucia Richardson" userId="S::edr1051@umoncton.ca::a8800bd4-8679-4489-9e15-b3cc47dc3045" providerId="AD" clId="Web-{C9C181DC-D065-D4E8-B206-10BDD95DF387}" dt="2025-04-16T15:08:28.258" v="0"/>
-      <pc:docMkLst>
-        <pc:docMk/>
-      </pc:docMkLst>
-      <pc:sldChg chg="del">
-        <pc:chgData name="Lucia Richardson" userId="S::edr1051@umoncton.ca::a8800bd4-8679-4489-9e15-b3cc47dc3045" providerId="AD" clId="Web-{C9C181DC-D065-D4E8-B206-10BDD95DF387}" dt="2025-04-16T15:08:28.258" v="0"/>
-        <pc:sldMkLst>
-          <pc:docMk/>
-          <pc:sldMk cId="0" sldId="264"/>
-        </pc:sldMkLst>
-      </pc:sldChg>
-    </pc:docChg>
-  </pc:docChgLst>
-  <pc:docChgLst>
-    <pc:chgData name="Lucia Richardson" userId="S::edr1051@umoncton.ca::a8800bd4-8679-4489-9e15-b3cc47dc3045" providerId="AD" clId="Web-{C80C2890-F595-DB7D-010C-8DE3ABA7C13A}"/>
-    <pc:docChg chg="addSld delSld modSld">
-      <pc:chgData name="Lucia Richardson" userId="S::edr1051@umoncton.ca::a8800bd4-8679-4489-9e15-b3cc47dc3045" providerId="AD" clId="Web-{C80C2890-F595-DB7D-010C-8DE3ABA7C13A}" dt="2025-04-15T21:18:56.883" v="1381" actId="20577"/>
-      <pc:docMkLst>
-        <pc:docMk/>
-      </pc:docMkLst>
-      <pc:sldChg chg="modSp">
-        <pc:chgData name="Lucia Richardson" userId="S::edr1051@umoncton.ca::a8800bd4-8679-4489-9e15-b3cc47dc3045" providerId="AD" clId="Web-{C80C2890-F595-DB7D-010C-8DE3ABA7C13A}" dt="2025-04-15T15:49:21.096" v="1236" actId="20577"/>
-        <pc:sldMkLst>
-          <pc:docMk/>
-          <pc:sldMk cId="0" sldId="256"/>
-        </pc:sldMkLst>
-        <pc:spChg chg="mod">
-          <ac:chgData name="Lucia Richardson" userId="S::edr1051@umoncton.ca::a8800bd4-8679-4489-9e15-b3cc47dc3045" providerId="AD" clId="Web-{C80C2890-F595-DB7D-010C-8DE3ABA7C13A}" dt="2025-04-15T15:49:21.096" v="1236" actId="20577"/>
-          <ac:spMkLst>
-            <pc:docMk/>
-            <pc:sldMk cId="0" sldId="256"/>
-            <ac:spMk id="137" creationId="{00000000-0000-0000-0000-000000000000}"/>
-          </ac:spMkLst>
-        </pc:spChg>
-      </pc:sldChg>
-      <pc:sldChg chg="modSp">
-        <pc:chgData name="Lucia Richardson" userId="S::edr1051@umoncton.ca::a8800bd4-8679-4489-9e15-b3cc47dc3045" providerId="AD" clId="Web-{C80C2890-F595-DB7D-010C-8DE3ABA7C13A}" dt="2025-04-15T21:06:09.665" v="1268" actId="20577"/>
-        <pc:sldMkLst>
-          <pc:docMk/>
-          <pc:sldMk cId="0" sldId="258"/>
-        </pc:sldMkLst>
-        <pc:spChg chg="mod">
-          <ac:chgData name="Lucia Richardson" userId="S::edr1051@umoncton.ca::a8800bd4-8679-4489-9e15-b3cc47dc3045" providerId="AD" clId="Web-{C80C2890-F595-DB7D-010C-8DE3ABA7C13A}" dt="2025-04-15T21:06:09.665" v="1268" actId="20577"/>
-          <ac:spMkLst>
-            <pc:docMk/>
-            <pc:sldMk cId="0" sldId="258"/>
-            <ac:spMk id="148" creationId="{00000000-0000-0000-0000-000000000000}"/>
-          </ac:spMkLst>
-        </pc:spChg>
-      </pc:sldChg>
-      <pc:sldChg chg="modSp">
-        <pc:chgData name="Lucia Richardson" userId="S::edr1051@umoncton.ca::a8800bd4-8679-4489-9e15-b3cc47dc3045" providerId="AD" clId="Web-{C80C2890-F595-DB7D-010C-8DE3ABA7C13A}" dt="2025-04-15T21:06:12.915" v="1271" actId="20577"/>
-        <pc:sldMkLst>
-          <pc:docMk/>
-          <pc:sldMk cId="0" sldId="259"/>
-        </pc:sldMkLst>
-        <pc:spChg chg="mod">
-          <ac:chgData name="Lucia Richardson" userId="S::edr1051@umoncton.ca::a8800bd4-8679-4489-9e15-b3cc47dc3045" providerId="AD" clId="Web-{C80C2890-F595-DB7D-010C-8DE3ABA7C13A}" dt="2025-04-15T21:06:12.915" v="1271" actId="20577"/>
-          <ac:spMkLst>
-            <pc:docMk/>
-            <pc:sldMk cId="0" sldId="259"/>
-            <ac:spMk id="154" creationId="{00000000-0000-0000-0000-000000000000}"/>
-          </ac:spMkLst>
-        </pc:spChg>
-      </pc:sldChg>
-      <pc:sldChg chg="modSp">
-        <pc:chgData name="Lucia Richardson" userId="S::edr1051@umoncton.ca::a8800bd4-8679-4489-9e15-b3cc47dc3045" providerId="AD" clId="Web-{C80C2890-F595-DB7D-010C-8DE3ABA7C13A}" dt="2025-04-15T21:06:16.791" v="1273" actId="20577"/>
-        <pc:sldMkLst>
-          <pc:docMk/>
-          <pc:sldMk cId="0" sldId="260"/>
-        </pc:sldMkLst>
-        <pc:spChg chg="mod">
-          <ac:chgData name="Lucia Richardson" userId="S::edr1051@umoncton.ca::a8800bd4-8679-4489-9e15-b3cc47dc3045" providerId="AD" clId="Web-{C80C2890-F595-DB7D-010C-8DE3ABA7C13A}" dt="2025-04-15T21:06:16.791" v="1273" actId="20577"/>
-          <ac:spMkLst>
-            <pc:docMk/>
-            <pc:sldMk cId="0" sldId="260"/>
-            <ac:spMk id="160" creationId="{00000000-0000-0000-0000-000000000000}"/>
-          </ac:spMkLst>
-        </pc:spChg>
-      </pc:sldChg>
-      <pc:sldChg chg="modSp">
-        <pc:chgData name="Lucia Richardson" userId="S::edr1051@umoncton.ca::a8800bd4-8679-4489-9e15-b3cc47dc3045" providerId="AD" clId="Web-{C80C2890-F595-DB7D-010C-8DE3ABA7C13A}" dt="2025-04-15T21:06:26.463" v="1274" actId="20577"/>
-        <pc:sldMkLst>
-          <pc:docMk/>
-          <pc:sldMk cId="0" sldId="261"/>
-        </pc:sldMkLst>
-        <pc:spChg chg="mod">
-          <ac:chgData name="Lucia Richardson" userId="S::edr1051@umoncton.ca::a8800bd4-8679-4489-9e15-b3cc47dc3045" providerId="AD" clId="Web-{C80C2890-F595-DB7D-010C-8DE3ABA7C13A}" dt="2025-04-15T21:06:26.463" v="1274" actId="20577"/>
-          <ac:spMkLst>
-            <pc:docMk/>
-            <pc:sldMk cId="0" sldId="261"/>
-            <ac:spMk id="166" creationId="{00000000-0000-0000-0000-000000000000}"/>
-          </ac:spMkLst>
-        </pc:spChg>
-      </pc:sldChg>
-      <pc:sldChg chg="modSp">
-        <pc:chgData name="Lucia Richardson" userId="S::edr1051@umoncton.ca::a8800bd4-8679-4489-9e15-b3cc47dc3045" providerId="AD" clId="Web-{C80C2890-F595-DB7D-010C-8DE3ABA7C13A}" dt="2025-04-15T21:06:38.525" v="1275" actId="20577"/>
-        <pc:sldMkLst>
-          <pc:docMk/>
-          <pc:sldMk cId="0" sldId="262"/>
-        </pc:sldMkLst>
-        <pc:spChg chg="mod">
-          <ac:chgData name="Lucia Richardson" userId="S::edr1051@umoncton.ca::a8800bd4-8679-4489-9e15-b3cc47dc3045" providerId="AD" clId="Web-{C80C2890-F595-DB7D-010C-8DE3ABA7C13A}" dt="2025-04-15T21:06:38.525" v="1275" actId="20577"/>
-          <ac:spMkLst>
-            <pc:docMk/>
-            <pc:sldMk cId="0" sldId="262"/>
-            <ac:spMk id="172" creationId="{00000000-0000-0000-0000-000000000000}"/>
-          </ac:spMkLst>
-        </pc:spChg>
-        <pc:spChg chg="mod">
-          <ac:chgData name="Lucia Richardson" userId="S::edr1051@umoncton.ca::a8800bd4-8679-4489-9e15-b3cc47dc3045" providerId="AD" clId="Web-{C80C2890-F595-DB7D-010C-8DE3ABA7C13A}" dt="2025-04-15T15:43:40.012" v="1206" actId="14100"/>
-          <ac:spMkLst>
-            <pc:docMk/>
-            <pc:sldMk cId="0" sldId="262"/>
-            <ac:spMk id="173" creationId="{00000000-0000-0000-0000-000000000000}"/>
-          </ac:spMkLst>
-        </pc:spChg>
-      </pc:sldChg>
-      <pc:sldChg chg="addSp delSp modSp mod modClrScheme chgLayout">
-        <pc:chgData name="Lucia Richardson" userId="S::edr1051@umoncton.ca::a8800bd4-8679-4489-9e15-b3cc47dc3045" providerId="AD" clId="Web-{C80C2890-F595-DB7D-010C-8DE3ABA7C13A}" dt="2025-04-15T21:06:42.775" v="1277" actId="20577"/>
-        <pc:sldMkLst>
-          <pc:docMk/>
-          <pc:sldMk cId="0" sldId="263"/>
-        </pc:sldMkLst>
-        <pc:spChg chg="add del mod ord">
-          <ac:chgData name="Lucia Richardson" userId="S::edr1051@umoncton.ca::a8800bd4-8679-4489-9e15-b3cc47dc3045" providerId="AD" clId="Web-{C80C2890-F595-DB7D-010C-8DE3ABA7C13A}" dt="2025-04-15T15:42:17.808" v="1196"/>
-          <ac:spMkLst>
-            <pc:docMk/>
-            <pc:sldMk cId="0" sldId="263"/>
-            <ac:spMk id="2" creationId="{C93601A0-45D2-4AFF-9388-80F24BAF5683}"/>
-          </ac:spMkLst>
-        </pc:spChg>
-        <pc:spChg chg="add del mod ord">
-          <ac:chgData name="Lucia Richardson" userId="S::edr1051@umoncton.ca::a8800bd4-8679-4489-9e15-b3cc47dc3045" providerId="AD" clId="Web-{C80C2890-F595-DB7D-010C-8DE3ABA7C13A}" dt="2025-04-15T15:42:20.792" v="1197"/>
-          <ac:spMkLst>
-            <pc:docMk/>
-            <pc:sldMk cId="0" sldId="263"/>
-            <ac:spMk id="3" creationId="{4FC098E0-51B9-0ADB-D134-5218FCB55812}"/>
-          </ac:spMkLst>
-        </pc:spChg>
-        <pc:spChg chg="add del mod ord">
-          <ac:chgData name="Lucia Richardson" userId="S::edr1051@umoncton.ca::a8800bd4-8679-4489-9e15-b3cc47dc3045" providerId="AD" clId="Web-{C80C2890-F595-DB7D-010C-8DE3ABA7C13A}" dt="2025-04-15T15:43:56.590" v="1208"/>
-          <ac:spMkLst>
-            <pc:docMk/>
-            <pc:sldMk cId="0" sldId="263"/>
-            <ac:spMk id="4" creationId="{9E75F0B5-9827-9CA5-558A-A0E547590174}"/>
-          </ac:spMkLst>
-        </pc:spChg>
-        <pc:spChg chg="mod">
-          <ac:chgData name="Lucia Richardson" userId="S::edr1051@umoncton.ca::a8800bd4-8679-4489-9e15-b3cc47dc3045" providerId="AD" clId="Web-{C80C2890-F595-DB7D-010C-8DE3ABA7C13A}" dt="2025-04-15T21:06:42.775" v="1277" actId="20577"/>
-          <ac:spMkLst>
-            <pc:docMk/>
-            <pc:sldMk cId="0" sldId="263"/>
-            <ac:spMk id="178" creationId="{00000000-0000-0000-0000-000000000000}"/>
-          </ac:spMkLst>
-        </pc:spChg>
-        <pc:spChg chg="mod">
-          <ac:chgData name="Lucia Richardson" userId="S::edr1051@umoncton.ca::a8800bd4-8679-4489-9e15-b3cc47dc3045" providerId="AD" clId="Web-{C80C2890-F595-DB7D-010C-8DE3ABA7C13A}" dt="2025-04-15T15:42:32.714" v="1199" actId="1076"/>
-          <ac:spMkLst>
-            <pc:docMk/>
-            <pc:sldMk cId="0" sldId="263"/>
-            <ac:spMk id="179" creationId="{00000000-0000-0000-0000-000000000000}"/>
-          </ac:spMkLst>
-        </pc:spChg>
-      </pc:sldChg>
-      <pc:sldChg chg="addSp delSp modSp mod modClrScheme chgLayout">
-        <pc:chgData name="Lucia Richardson" userId="S::edr1051@umoncton.ca::a8800bd4-8679-4489-9e15-b3cc47dc3045" providerId="AD" clId="Web-{C80C2890-F595-DB7D-010C-8DE3ABA7C13A}" dt="2025-04-15T21:06:54.463" v="1279" actId="20577"/>
-        <pc:sldMkLst>
-          <pc:docMk/>
-          <pc:sldMk cId="0" sldId="264"/>
-        </pc:sldMkLst>
-        <pc:spChg chg="add del mod ord">
-          <ac:chgData name="Lucia Richardson" userId="S::edr1051@umoncton.ca::a8800bd4-8679-4489-9e15-b3cc47dc3045" providerId="AD" clId="Web-{C80C2890-F595-DB7D-010C-8DE3ABA7C13A}" dt="2025-04-15T15:44:17.372" v="1210"/>
-          <ac:spMkLst>
-            <pc:docMk/>
-            <pc:sldMk cId="0" sldId="264"/>
-            <ac:spMk id="2" creationId="{EF12B7EB-FB03-1402-F1EA-90114E57EB9E}"/>
-          </ac:spMkLst>
-        </pc:spChg>
-        <pc:spChg chg="add del mod ord">
-          <ac:chgData name="Lucia Richardson" userId="S::edr1051@umoncton.ca::a8800bd4-8679-4489-9e15-b3cc47dc3045" providerId="AD" clId="Web-{C80C2890-F595-DB7D-010C-8DE3ABA7C13A}" dt="2025-04-15T15:44:22.138" v="1211"/>
-          <ac:spMkLst>
-            <pc:docMk/>
-            <pc:sldMk cId="0" sldId="264"/>
-            <ac:spMk id="3" creationId="{1EAA7D21-DEBF-5BFE-0062-AAE9FF91212A}"/>
-          </ac:spMkLst>
-        </pc:spChg>
-        <pc:spChg chg="mod">
-          <ac:chgData name="Lucia Richardson" userId="S::edr1051@umoncton.ca::a8800bd4-8679-4489-9e15-b3cc47dc3045" providerId="AD" clId="Web-{C80C2890-F595-DB7D-010C-8DE3ABA7C13A}" dt="2025-04-15T21:06:54.463" v="1279" actId="20577"/>
-          <ac:spMkLst>
-            <pc:docMk/>
-            <pc:sldMk cId="0" sldId="264"/>
-            <ac:spMk id="184" creationId="{00000000-0000-0000-0000-000000000000}"/>
-          </ac:spMkLst>
-        </pc:spChg>
-        <pc:spChg chg="mod">
-          <ac:chgData name="Lucia Richardson" userId="S::edr1051@umoncton.ca::a8800bd4-8679-4489-9e15-b3cc47dc3045" providerId="AD" clId="Web-{C80C2890-F595-DB7D-010C-8DE3ABA7C13A}" dt="2025-04-15T15:44:27.138" v="1212" actId="1076"/>
-          <ac:spMkLst>
-            <pc:docMk/>
-            <pc:sldMk cId="0" sldId="264"/>
-            <ac:spMk id="185" creationId="{00000000-0000-0000-0000-000000000000}"/>
-          </ac:spMkLst>
-        </pc:spChg>
-      </pc:sldChg>
-      <pc:sldChg chg="addSp delSp modSp mod modClrScheme chgLayout">
-        <pc:chgData name="Lucia Richardson" userId="S::edr1051@umoncton.ca::a8800bd4-8679-4489-9e15-b3cc47dc3045" providerId="AD" clId="Web-{C80C2890-F595-DB7D-010C-8DE3ABA7C13A}" dt="2025-04-15T21:18:56.883" v="1381" actId="20577"/>
-        <pc:sldMkLst>
-          <pc:docMk/>
-          <pc:sldMk cId="0" sldId="265"/>
-        </pc:sldMkLst>
-        <pc:spChg chg="add del mod ord">
-          <ac:chgData name="Lucia Richardson" userId="S::edr1051@umoncton.ca::a8800bd4-8679-4489-9e15-b3cc47dc3045" providerId="AD" clId="Web-{C80C2890-F595-DB7D-010C-8DE3ABA7C13A}" dt="2025-04-15T15:44:58.513" v="1214"/>
-          <ac:spMkLst>
-            <pc:docMk/>
-            <pc:sldMk cId="0" sldId="265"/>
-            <ac:spMk id="2" creationId="{21026CDD-8FD7-5010-5C2A-CB9E59B7CEF2}"/>
-          </ac:spMkLst>
-        </pc:spChg>
-        <pc:spChg chg="mod">
-          <ac:chgData name="Lucia Richardson" userId="S::edr1051@umoncton.ca::a8800bd4-8679-4489-9e15-b3cc47dc3045" providerId="AD" clId="Web-{C80C2890-F595-DB7D-010C-8DE3ABA7C13A}" dt="2025-04-15T21:18:56.883" v="1381" actId="20577"/>
-          <ac:spMkLst>
-            <pc:docMk/>
-            <pc:sldMk cId="0" sldId="265"/>
-            <ac:spMk id="190" creationId="{00000000-0000-0000-0000-000000000000}"/>
-          </ac:spMkLst>
-        </pc:spChg>
-        <pc:spChg chg="mod">
-          <ac:chgData name="Lucia Richardson" userId="S::edr1051@umoncton.ca::a8800bd4-8679-4489-9e15-b3cc47dc3045" providerId="AD" clId="Web-{C80C2890-F595-DB7D-010C-8DE3ABA7C13A}" dt="2025-04-15T15:45:18.092" v="1217" actId="1076"/>
-          <ac:spMkLst>
-            <pc:docMk/>
-            <pc:sldMk cId="0" sldId="265"/>
-            <ac:spMk id="191" creationId="{00000000-0000-0000-0000-000000000000}"/>
-          </ac:spMkLst>
-        </pc:spChg>
-      </pc:sldChg>
-      <pc:sldChg chg="addSp delSp modSp mod modClrScheme chgLayout">
-        <pc:chgData name="Lucia Richardson" userId="S::edr1051@umoncton.ca::a8800bd4-8679-4489-9e15-b3cc47dc3045" providerId="AD" clId="Web-{C80C2890-F595-DB7D-010C-8DE3ABA7C13A}" dt="2025-04-15T21:07:39.386" v="1286" actId="20577"/>
-        <pc:sldMkLst>
-          <pc:docMk/>
-          <pc:sldMk cId="0" sldId="266"/>
-        </pc:sldMkLst>
-        <pc:spChg chg="add del mod ord">
-          <ac:chgData name="Lucia Richardson" userId="S::edr1051@umoncton.ca::a8800bd4-8679-4489-9e15-b3cc47dc3045" providerId="AD" clId="Web-{C80C2890-F595-DB7D-010C-8DE3ABA7C13A}" dt="2025-04-15T15:46:21.359" v="1221"/>
-          <ac:spMkLst>
-            <pc:docMk/>
-            <pc:sldMk cId="0" sldId="266"/>
-            <ac:spMk id="2" creationId="{2B35A751-6E55-9290-47F6-4999EFCB4E60}"/>
-          </ac:spMkLst>
-        </pc:spChg>
-        <pc:spChg chg="mod">
-          <ac:chgData name="Lucia Richardson" userId="S::edr1051@umoncton.ca::a8800bd4-8679-4489-9e15-b3cc47dc3045" providerId="AD" clId="Web-{C80C2890-F595-DB7D-010C-8DE3ABA7C13A}" dt="2025-04-15T21:07:39.386" v="1286" actId="20577"/>
-          <ac:spMkLst>
-            <pc:docMk/>
-            <pc:sldMk cId="0" sldId="266"/>
-            <ac:spMk id="196" creationId="{00000000-0000-0000-0000-000000000000}"/>
-          </ac:spMkLst>
-        </pc:spChg>
-        <pc:spChg chg="mod">
-          <ac:chgData name="Lucia Richardson" userId="S::edr1051@umoncton.ca::a8800bd4-8679-4489-9e15-b3cc47dc3045" providerId="AD" clId="Web-{C80C2890-F595-DB7D-010C-8DE3ABA7C13A}" dt="2025-04-15T15:46:32.859" v="1222" actId="1076"/>
-          <ac:spMkLst>
-            <pc:docMk/>
-            <pc:sldMk cId="0" sldId="266"/>
-            <ac:spMk id="197" creationId="{00000000-0000-0000-0000-000000000000}"/>
-          </ac:spMkLst>
-        </pc:spChg>
-      </pc:sldChg>
-      <pc:sldChg chg="addSp delSp modSp mod modClrScheme chgLayout">
-        <pc:chgData name="Lucia Richardson" userId="S::edr1051@umoncton.ca::a8800bd4-8679-4489-9e15-b3cc47dc3045" providerId="AD" clId="Web-{C80C2890-F595-DB7D-010C-8DE3ABA7C13A}" dt="2025-04-15T21:07:44.823" v="1289" actId="20577"/>
-        <pc:sldMkLst>
-          <pc:docMk/>
-          <pc:sldMk cId="0" sldId="267"/>
-        </pc:sldMkLst>
-        <pc:spChg chg="add del mod ord">
-          <ac:chgData name="Lucia Richardson" userId="S::edr1051@umoncton.ca::a8800bd4-8679-4489-9e15-b3cc47dc3045" providerId="AD" clId="Web-{C80C2890-F595-DB7D-010C-8DE3ABA7C13A}" dt="2025-04-15T15:47:03.312" v="1224"/>
-          <ac:spMkLst>
-            <pc:docMk/>
-            <pc:sldMk cId="0" sldId="267"/>
-            <ac:spMk id="2" creationId="{17A25D7E-3256-29CA-83AC-70ACED45E13E}"/>
-          </ac:spMkLst>
-        </pc:spChg>
-        <pc:spChg chg="mod">
-          <ac:chgData name="Lucia Richardson" userId="S::edr1051@umoncton.ca::a8800bd4-8679-4489-9e15-b3cc47dc3045" providerId="AD" clId="Web-{C80C2890-F595-DB7D-010C-8DE3ABA7C13A}" dt="2025-04-15T21:07:44.823" v="1289" actId="20577"/>
-          <ac:spMkLst>
-            <pc:docMk/>
-            <pc:sldMk cId="0" sldId="267"/>
-            <ac:spMk id="202" creationId="{00000000-0000-0000-0000-000000000000}"/>
-          </ac:spMkLst>
-        </pc:spChg>
-        <pc:spChg chg="mod">
-          <ac:chgData name="Lucia Richardson" userId="S::edr1051@umoncton.ca::a8800bd4-8679-4489-9e15-b3cc47dc3045" providerId="AD" clId="Web-{C80C2890-F595-DB7D-010C-8DE3ABA7C13A}" dt="2025-04-15T15:47:09.578" v="1225" actId="1076"/>
-          <ac:spMkLst>
-            <pc:docMk/>
-            <pc:sldMk cId="0" sldId="267"/>
-            <ac:spMk id="203" creationId="{00000000-0000-0000-0000-000000000000}"/>
-          </ac:spMkLst>
-        </pc:spChg>
-      </pc:sldChg>
-      <pc:sldChg chg="addSp delSp modSp mod modClrScheme chgLayout">
-        <pc:chgData name="Lucia Richardson" userId="S::edr1051@umoncton.ca::a8800bd4-8679-4489-9e15-b3cc47dc3045" providerId="AD" clId="Web-{C80C2890-F595-DB7D-010C-8DE3ABA7C13A}" dt="2025-04-15T21:07:50.730" v="1290" actId="20577"/>
-        <pc:sldMkLst>
-          <pc:docMk/>
-          <pc:sldMk cId="0" sldId="268"/>
-        </pc:sldMkLst>
-        <pc:spChg chg="add del mod ord">
-          <ac:chgData name="Lucia Richardson" userId="S::edr1051@umoncton.ca::a8800bd4-8679-4489-9e15-b3cc47dc3045" providerId="AD" clId="Web-{C80C2890-F595-DB7D-010C-8DE3ABA7C13A}" dt="2025-04-15T15:47:38.110" v="1227"/>
-          <ac:spMkLst>
-            <pc:docMk/>
-            <pc:sldMk cId="0" sldId="268"/>
-            <ac:spMk id="2" creationId="{D73B5450-B0B1-3368-AEB3-2300E0FD8867}"/>
-          </ac:spMkLst>
-        </pc:spChg>
-        <pc:spChg chg="add del mod ord">
-          <ac:chgData name="Lucia Richardson" userId="S::edr1051@umoncton.ca::a8800bd4-8679-4489-9e15-b3cc47dc3045" providerId="AD" clId="Web-{C80C2890-F595-DB7D-010C-8DE3ABA7C13A}" dt="2025-04-15T15:47:41.485" v="1228"/>
-          <ac:spMkLst>
-            <pc:docMk/>
-            <pc:sldMk cId="0" sldId="268"/>
-            <ac:spMk id="3" creationId="{FC060819-2590-6B27-BC90-4BD4EEF6BDEE}"/>
-          </ac:spMkLst>
-        </pc:spChg>
-        <pc:spChg chg="mod">
-          <ac:chgData name="Lucia Richardson" userId="S::edr1051@umoncton.ca::a8800bd4-8679-4489-9e15-b3cc47dc3045" providerId="AD" clId="Web-{C80C2890-F595-DB7D-010C-8DE3ABA7C13A}" dt="2025-04-15T21:07:50.730" v="1290" actId="20577"/>
-          <ac:spMkLst>
-            <pc:docMk/>
-            <pc:sldMk cId="0" sldId="268"/>
-            <ac:spMk id="208" creationId="{00000000-0000-0000-0000-000000000000}"/>
-          </ac:spMkLst>
-        </pc:spChg>
-        <pc:spChg chg="mod">
-          <ac:chgData name="Lucia Richardson" userId="S::edr1051@umoncton.ca::a8800bd4-8679-4489-9e15-b3cc47dc3045" providerId="AD" clId="Web-{C80C2890-F595-DB7D-010C-8DE3ABA7C13A}" dt="2025-04-15T15:47:47.251" v="1229" actId="1076"/>
-          <ac:spMkLst>
-            <pc:docMk/>
-            <pc:sldMk cId="0" sldId="268"/>
-            <ac:spMk id="209" creationId="{00000000-0000-0000-0000-000000000000}"/>
-          </ac:spMkLst>
-        </pc:spChg>
-      </pc:sldChg>
-      <pc:sldChg chg="addSp delSp modSp add replId">
-        <pc:chgData name="Lucia Richardson" userId="S::edr1051@umoncton.ca::a8800bd4-8679-4489-9e15-b3cc47dc3045" providerId="AD" clId="Web-{C80C2890-F595-DB7D-010C-8DE3ABA7C13A}" dt="2025-04-15T21:07:30.229" v="1284" actId="20577"/>
-        <pc:sldMkLst>
-          <pc:docMk/>
-          <pc:sldMk cId="2162471876" sldId="269"/>
-        </pc:sldMkLst>
-        <pc:spChg chg="mod">
-          <ac:chgData name="Lucia Richardson" userId="S::edr1051@umoncton.ca::a8800bd4-8679-4489-9e15-b3cc47dc3045" providerId="AD" clId="Web-{C80C2890-F595-DB7D-010C-8DE3ABA7C13A}" dt="2025-04-15T21:07:30.229" v="1284" actId="20577"/>
-          <ac:spMkLst>
-            <pc:docMk/>
-            <pc:sldMk cId="2162471876" sldId="269"/>
-            <ac:spMk id="190" creationId="{41C93D2B-EAFC-3708-5CF4-2DE9AFD8FAC2}"/>
-          </ac:spMkLst>
-        </pc:spChg>
-        <pc:spChg chg="del mod">
-          <ac:chgData name="Lucia Richardson" userId="S::edr1051@umoncton.ca::a8800bd4-8679-4489-9e15-b3cc47dc3045" providerId="AD" clId="Web-{C80C2890-F595-DB7D-010C-8DE3ABA7C13A}" dt="2025-04-15T15:03:38.862" v="131"/>
-          <ac:spMkLst>
-            <pc:docMk/>
-            <pc:sldMk cId="2162471876" sldId="269"/>
-            <ac:spMk id="191" creationId="{C0EDD583-1451-5340-AD32-31526882E08D}"/>
-          </ac:spMkLst>
-        </pc:spChg>
-        <pc:graphicFrameChg chg="add mod ord modGraphic">
-          <ac:chgData name="Lucia Richardson" userId="S::edr1051@umoncton.ca::a8800bd4-8679-4489-9e15-b3cc47dc3045" providerId="AD" clId="Web-{C80C2890-F595-DB7D-010C-8DE3ABA7C13A}" dt="2025-04-15T15:37:01.521" v="1180"/>
-          <ac:graphicFrameMkLst>
-            <pc:docMk/>
-            <pc:sldMk cId="2162471876" sldId="269"/>
-            <ac:graphicFrameMk id="3" creationId="{89A25D1B-B09D-54FA-E31A-E852ACA0D745}"/>
-          </ac:graphicFrameMkLst>
-        </pc:graphicFrameChg>
-      </pc:sldChg>
-      <pc:sldChg chg="addSp delSp modSp new">
-        <pc:chgData name="Lucia Richardson" userId="S::edr1051@umoncton.ca::a8800bd4-8679-4489-9e15-b3cc47dc3045" providerId="AD" clId="Web-{C80C2890-F595-DB7D-010C-8DE3ABA7C13A}" dt="2025-04-15T15:48:54.752" v="1233"/>
-        <pc:sldMkLst>
-          <pc:docMk/>
-          <pc:sldMk cId="1595325537" sldId="270"/>
-        </pc:sldMkLst>
-        <pc:picChg chg="add mod">
-          <ac:chgData name="Lucia Richardson" userId="S::edr1051@umoncton.ca::a8800bd4-8679-4489-9e15-b3cc47dc3045" providerId="AD" clId="Web-{C80C2890-F595-DB7D-010C-8DE3ABA7C13A}" dt="2025-04-15T15:48:04.720" v="1230" actId="14100"/>
-          <ac:picMkLst>
-            <pc:docMk/>
-            <pc:sldMk cId="1595325537" sldId="270"/>
-            <ac:picMk id="2" creationId="{BE3958A4-779C-38C2-6345-BA6B7E79806E}"/>
-          </ac:picMkLst>
-        </pc:picChg>
-        <pc:picChg chg="add mod modCrop">
-          <ac:chgData name="Lucia Richardson" userId="S::edr1051@umoncton.ca::a8800bd4-8679-4489-9e15-b3cc47dc3045" providerId="AD" clId="Web-{C80C2890-F595-DB7D-010C-8DE3ABA7C13A}" dt="2025-04-15T15:41:35.369" v="1194"/>
-          <ac:picMkLst>
-            <pc:docMk/>
-            <pc:sldMk cId="1595325537" sldId="270"/>
-            <ac:picMk id="3" creationId="{1D6E0FB8-E732-D3F5-D8EC-E0063B0A12B6}"/>
-          </ac:picMkLst>
-        </pc:picChg>
-        <pc:picChg chg="add del mod">
-          <ac:chgData name="Lucia Richardson" userId="S::edr1051@umoncton.ca::a8800bd4-8679-4489-9e15-b3cc47dc3045" providerId="AD" clId="Web-{C80C2890-F595-DB7D-010C-8DE3ABA7C13A}" dt="2025-04-15T15:48:54.752" v="1233"/>
-          <ac:picMkLst>
-            <pc:docMk/>
-            <pc:sldMk cId="1595325537" sldId="270"/>
-            <ac:picMk id="4" creationId="{18F4AD0D-027A-9378-2DEF-C6BA3D58652E}"/>
-          </ac:picMkLst>
-        </pc:picChg>
-      </pc:sldChg>
-      <pc:sldChg chg="modSp add replId">
-        <pc:chgData name="Lucia Richardson" userId="S::edr1051@umoncton.ca::a8800bd4-8679-4489-9e15-b3cc47dc3045" providerId="AD" clId="Web-{C80C2890-F595-DB7D-010C-8DE3ABA7C13A}" dt="2025-04-15T21:07:33.292" v="1285" actId="20577"/>
-        <pc:sldMkLst>
-          <pc:docMk/>
-          <pc:sldMk cId="3354577862" sldId="271"/>
-        </pc:sldMkLst>
-        <pc:spChg chg="mod">
-          <ac:chgData name="Lucia Richardson" userId="S::edr1051@umoncton.ca::a8800bd4-8679-4489-9e15-b3cc47dc3045" providerId="AD" clId="Web-{C80C2890-F595-DB7D-010C-8DE3ABA7C13A}" dt="2025-04-15T21:07:33.292" v="1285" actId="20577"/>
-          <ac:spMkLst>
-            <pc:docMk/>
-            <pc:sldMk cId="3354577862" sldId="271"/>
-            <ac:spMk id="190" creationId="{7D8B938A-0385-1514-4050-BE430A30C3E4}"/>
-          </ac:spMkLst>
-        </pc:spChg>
-        <pc:spChg chg="mod">
-          <ac:chgData name="Lucia Richardson" userId="S::edr1051@umoncton.ca::a8800bd4-8679-4489-9e15-b3cc47dc3045" providerId="AD" clId="Web-{C80C2890-F595-DB7D-010C-8DE3ABA7C13A}" dt="2025-04-15T21:04:34.101" v="1265" actId="20577"/>
-          <ac:spMkLst>
-            <pc:docMk/>
-            <pc:sldMk cId="3354577862" sldId="271"/>
-            <ac:spMk id="191" creationId="{D87FB43C-5B72-A366-C5F5-F8D240C9B190}"/>
-          </ac:spMkLst>
-        </pc:spChg>
-      </pc:sldChg>
-      <pc:sldChg chg="addSp delSp modSp add replId">
-        <pc:chgData name="Lucia Richardson" userId="S::edr1051@umoncton.ca::a8800bd4-8679-4489-9e15-b3cc47dc3045" providerId="AD" clId="Web-{C80C2890-F595-DB7D-010C-8DE3ABA7C13A}" dt="2025-04-15T21:16:10.427" v="1355" actId="1076"/>
-        <pc:sldMkLst>
-          <pc:docMk/>
-          <pc:sldMk cId="873882568" sldId="272"/>
-        </pc:sldMkLst>
-        <pc:spChg chg="mod">
-          <ac:chgData name="Lucia Richardson" userId="S::edr1051@umoncton.ca::a8800bd4-8679-4489-9e15-b3cc47dc3045" providerId="AD" clId="Web-{C80C2890-F595-DB7D-010C-8DE3ABA7C13A}" dt="2025-04-15T21:11:28.078" v="1323" actId="14100"/>
-          <ac:spMkLst>
-            <pc:docMk/>
-            <pc:sldMk cId="873882568" sldId="272"/>
-            <ac:spMk id="190" creationId="{332D2ABF-CCC1-2326-6EC0-AD45162235A2}"/>
-          </ac:spMkLst>
-        </pc:spChg>
-        <pc:spChg chg="del mod">
-          <ac:chgData name="Lucia Richardson" userId="S::edr1051@umoncton.ca::a8800bd4-8679-4489-9e15-b3cc47dc3045" providerId="AD" clId="Web-{C80C2890-F595-DB7D-010C-8DE3ABA7C13A}" dt="2025-04-15T21:10:13.154" v="1295"/>
-          <ac:spMkLst>
-            <pc:docMk/>
-            <pc:sldMk cId="873882568" sldId="272"/>
-            <ac:spMk id="191" creationId="{6AE14BC5-2F08-374A-2556-907D94FB9B59}"/>
-          </ac:spMkLst>
-        </pc:spChg>
-        <pc:picChg chg="add mod">
-          <ac:chgData name="Lucia Richardson" userId="S::edr1051@umoncton.ca::a8800bd4-8679-4489-9e15-b3cc47dc3045" providerId="AD" clId="Web-{C80C2890-F595-DB7D-010C-8DE3ABA7C13A}" dt="2025-04-15T21:16:10.427" v="1355" actId="1076"/>
-          <ac:picMkLst>
-            <pc:docMk/>
-            <pc:sldMk cId="873882568" sldId="272"/>
-            <ac:picMk id="2" creationId="{ED4C615F-C9D7-D7DE-E74E-F361CCBE8A42}"/>
-          </ac:picMkLst>
-        </pc:picChg>
-      </pc:sldChg>
-      <pc:sldChg chg="add del replId">
-        <pc:chgData name="Lucia Richardson" userId="S::edr1051@umoncton.ca::a8800bd4-8679-4489-9e15-b3cc47dc3045" providerId="AD" clId="Web-{C80C2890-F595-DB7D-010C-8DE3ABA7C13A}" dt="2025-04-15T21:01:31.113" v="1241"/>
-        <pc:sldMkLst>
-          <pc:docMk/>
-          <pc:sldMk cId="4260058437" sldId="272"/>
-        </pc:sldMkLst>
-      </pc:sldChg>
-      <pc:sldChg chg="addSp delSp modSp add replId">
-        <pc:chgData name="Lucia Richardson" userId="S::edr1051@umoncton.ca::a8800bd4-8679-4489-9e15-b3cc47dc3045" providerId="AD" clId="Web-{C80C2890-F595-DB7D-010C-8DE3ABA7C13A}" dt="2025-04-15T21:17:57.726" v="1358"/>
-        <pc:sldMkLst>
-          <pc:docMk/>
-          <pc:sldMk cId="591343954" sldId="273"/>
-        </pc:sldMkLst>
-        <pc:spChg chg="mod">
-          <ac:chgData name="Lucia Richardson" userId="S::edr1051@umoncton.ca::a8800bd4-8679-4489-9e15-b3cc47dc3045" providerId="AD" clId="Web-{C80C2890-F595-DB7D-010C-8DE3ABA7C13A}" dt="2025-04-15T21:15:41.004" v="1351" actId="20577"/>
-          <ac:spMkLst>
-            <pc:docMk/>
-            <pc:sldMk cId="591343954" sldId="273"/>
-            <ac:spMk id="190" creationId="{4D4B99C5-06F9-D001-37CA-02CCA9FBE416}"/>
-          </ac:spMkLst>
-        </pc:spChg>
-        <pc:spChg chg="del mod">
-          <ac:chgData name="Lucia Richardson" userId="S::edr1051@umoncton.ca::a8800bd4-8679-4489-9e15-b3cc47dc3045" providerId="AD" clId="Web-{C80C2890-F595-DB7D-010C-8DE3ABA7C13A}" dt="2025-04-15T21:15:12.098" v="1333"/>
-          <ac:spMkLst>
-            <pc:docMk/>
-            <pc:sldMk cId="591343954" sldId="273"/>
-            <ac:spMk id="191" creationId="{530F226E-F270-2451-C694-55F912BBCA56}"/>
-          </ac:spMkLst>
-        </pc:spChg>
-        <pc:picChg chg="add mod">
-          <ac:chgData name="Lucia Richardson" userId="S::edr1051@umoncton.ca::a8800bd4-8679-4489-9e15-b3cc47dc3045" providerId="AD" clId="Web-{C80C2890-F595-DB7D-010C-8DE3ABA7C13A}" dt="2025-04-15T21:15:56.317" v="1352" actId="1076"/>
-          <ac:picMkLst>
-            <pc:docMk/>
-            <pc:sldMk cId="591343954" sldId="273"/>
-            <ac:picMk id="2" creationId="{033E233D-8100-1A8E-ECE3-1AD13D4C8B7D}"/>
-          </ac:picMkLst>
-        </pc:picChg>
-        <pc:picChg chg="add del mod">
-          <ac:chgData name="Lucia Richardson" userId="S::edr1051@umoncton.ca::a8800bd4-8679-4489-9e15-b3cc47dc3045" providerId="AD" clId="Web-{C80C2890-F595-DB7D-010C-8DE3ABA7C13A}" dt="2025-04-15T21:17:57.726" v="1358"/>
-          <ac:picMkLst>
-            <pc:docMk/>
-            <pc:sldMk cId="591343954" sldId="273"/>
-            <ac:picMk id="3" creationId="{CEB8D840-F080-C811-8857-F187EAC8F854}"/>
-          </ac:picMkLst>
-        </pc:picChg>
-      </pc:sldChg>
-      <pc:sldChg chg="addSp delSp modSp add replId">
-        <pc:chgData name="Lucia Richardson" userId="S::edr1051@umoncton.ca::a8800bd4-8679-4489-9e15-b3cc47dc3045" providerId="AD" clId="Web-{C80C2890-F595-DB7D-010C-8DE3ABA7C13A}" dt="2025-04-15T21:18:42.336" v="1377" actId="1076"/>
-        <pc:sldMkLst>
-          <pc:docMk/>
-          <pc:sldMk cId="3546548312" sldId="274"/>
-        </pc:sldMkLst>
-        <pc:spChg chg="mod">
-          <ac:chgData name="Lucia Richardson" userId="S::edr1051@umoncton.ca::a8800bd4-8679-4489-9e15-b3cc47dc3045" providerId="AD" clId="Web-{C80C2890-F595-DB7D-010C-8DE3ABA7C13A}" dt="2025-04-15T21:18:18.664" v="1372" actId="20577"/>
-          <ac:spMkLst>
-            <pc:docMk/>
-            <pc:sldMk cId="3546548312" sldId="274"/>
-            <ac:spMk id="190" creationId="{F0E6A53C-7F24-44A3-DE29-E85E698E498E}"/>
-          </ac:spMkLst>
-        </pc:spChg>
-        <pc:spChg chg="del mod">
-          <ac:chgData name="Lucia Richardson" userId="S::edr1051@umoncton.ca::a8800bd4-8679-4489-9e15-b3cc47dc3045" providerId="AD" clId="Web-{C80C2890-F595-DB7D-010C-8DE3ABA7C13A}" dt="2025-04-15T21:18:06.913" v="1361"/>
-          <ac:spMkLst>
-            <pc:docMk/>
-            <pc:sldMk cId="3546548312" sldId="274"/>
-            <ac:spMk id="191" creationId="{F2C97BB6-AB7F-B19C-DE2E-CB9DEF88CE20}"/>
-          </ac:spMkLst>
-        </pc:spChg>
-        <pc:picChg chg="add mod">
-          <ac:chgData name="Lucia Richardson" userId="S::edr1051@umoncton.ca::a8800bd4-8679-4489-9e15-b3cc47dc3045" providerId="AD" clId="Web-{C80C2890-F595-DB7D-010C-8DE3ABA7C13A}" dt="2025-04-15T21:18:42.336" v="1377" actId="1076"/>
-          <ac:picMkLst>
-            <pc:docMk/>
-            <pc:sldMk cId="3546548312" sldId="274"/>
-            <ac:picMk id="2" creationId="{930AE44B-284F-9B51-C948-9F4877B6A7F4}"/>
-          </ac:picMkLst>
-        </pc:picChg>
-      </pc:sldChg>
-      <pc:sldChg chg="add del replId">
-        <pc:chgData name="Lucia Richardson" userId="S::edr1051@umoncton.ca::a8800bd4-8679-4489-9e15-b3cc47dc3045" providerId="AD" clId="Web-{C80C2890-F595-DB7D-010C-8DE3ABA7C13A}" dt="2025-04-15T21:14:00.924" v="1328"/>
-        <pc:sldMkLst>
-          <pc:docMk/>
-          <pc:sldMk cId="4025482362" sldId="274"/>
-        </pc:sldMkLst>
-      </pc:sldChg>
-    </pc:docChg>
-  </pc:docChgLst>
-  <pc:docChgLst>
-    <pc:chgData name="Lucia Richardson" userId="S::edr1051@umoncton.ca::a8800bd4-8679-4489-9e15-b3cc47dc3045" providerId="AD" clId="Web-{37A04ED0-6CDE-9E5E-69BA-5D991B56BD19}"/>
-    <pc:docChg chg="delSld modSld">
-      <pc:chgData name="Lucia Richardson" userId="S::edr1051@umoncton.ca::a8800bd4-8679-4489-9e15-b3cc47dc3045" providerId="AD" clId="Web-{37A04ED0-6CDE-9E5E-69BA-5D991B56BD19}" dt="2025-04-16T20:18:07.683" v="3"/>
-      <pc:docMkLst>
-        <pc:docMk/>
-      </pc:docMkLst>
-      <pc:sldChg chg="modSp">
-        <pc:chgData name="Lucia Richardson" userId="S::edr1051@umoncton.ca::a8800bd4-8679-4489-9e15-b3cc47dc3045" providerId="AD" clId="Web-{37A04ED0-6CDE-9E5E-69BA-5D991B56BD19}" dt="2025-04-16T20:16:23.760" v="2" actId="20577"/>
-        <pc:sldMkLst>
-          <pc:docMk/>
-          <pc:sldMk cId="0" sldId="260"/>
-        </pc:sldMkLst>
-        <pc:spChg chg="mod">
-          <ac:chgData name="Lucia Richardson" userId="S::edr1051@umoncton.ca::a8800bd4-8679-4489-9e15-b3cc47dc3045" providerId="AD" clId="Web-{37A04ED0-6CDE-9E5E-69BA-5D991B56BD19}" dt="2025-04-16T20:16:23.760" v="2" actId="20577"/>
-          <ac:spMkLst>
-            <pc:docMk/>
-            <pc:sldMk cId="0" sldId="260"/>
-            <ac:spMk id="161" creationId="{00000000-0000-0000-0000-000000000000}"/>
-          </ac:spMkLst>
-        </pc:spChg>
-      </pc:sldChg>
-      <pc:sldChg chg="del">
-        <pc:chgData name="Lucia Richardson" userId="S::edr1051@umoncton.ca::a8800bd4-8679-4489-9e15-b3cc47dc3045" providerId="AD" clId="Web-{37A04ED0-6CDE-9E5E-69BA-5D991B56BD19}" dt="2025-04-16T20:18:07.683" v="3"/>
-        <pc:sldMkLst>
-          <pc:docMk/>
-          <pc:sldMk cId="0" sldId="265"/>
-        </pc:sldMkLst>
-      </pc:sldChg>
-    </pc:docChg>
-  </pc:docChgLst>
-</pc:chgInfo>
 </file>
 
 <file path=ppt/notesMasters/notesMaster1.xml><?xml version="1.0" encoding="utf-8"?>
@@ -18527,7 +17683,7 @@
                   </a:extLst>
                 </a:hlinkClick>
               </a:rPr>
-              <a:t>https://github.com/lucia1970-student/autism-voice-classifier</a:t>
+              <a:t>https://github.com/lucia1970-student/FlaskApp</a:t>
             </a:r>
             <a:endParaRPr sz="2000" dirty="0">
               <a:solidFill>
@@ -22215,7 +21371,7 @@
               <a:t>Évaluation</a:t>
             </a:r>
             <a:r>
-              <a:rPr lang="en-US" sz="3000" b="1" dirty="0">
+              <a:rPr lang="en-US" sz="3000" b="1">
                 <a:solidFill>
                   <a:srgbClr val="00FFFF"/>
                 </a:solidFill>
@@ -22224,7 +21380,7 @@
                 <a:cs typeface="Calibri"/>
                 <a:sym typeface="Calibri"/>
               </a:rPr>
-              <a:t> NEAT et Analyse SWAT</a:t>
+              <a:t> NEAT et Analyse SWOT</a:t>
             </a:r>
             <a:endParaRPr dirty="0"/>
           </a:p>
